--- a/2017051604026 黄红成/黄红成 2017051604026.pptx
+++ b/2017051604026 黄红成/黄红成 2017051604026.pptx
@@ -11,7 +11,6 @@
     <p:sldId id="263" r:id="rId6"/>
     <p:sldId id="275" r:id="rId7"/>
     <p:sldId id="376" r:id="rId8"/>
-    <p:sldId id="373" r:id="rId9"/>
   </p:sldIdLst>
   <p:sldSz cx="12192000" cy="6858000"/>
   <p:notesSz cx="6858000" cy="9144000"/>
@@ -4926,113 +4925,6 @@
 </p:sld>
 </file>
 
-<file path=ppt/slides/slide7.xml><?xml version="1.0" encoding="utf-8"?>
-<p:sld xmlns:a="http://schemas.openxmlformats.org/drawingml/2006/main" xmlns:r="http://schemas.openxmlformats.org/officeDocument/2006/relationships" xmlns:p="http://schemas.openxmlformats.org/presentationml/2006/main">
-  <p:cSld>
-    <p:spTree>
-      <p:nvGrpSpPr>
-        <p:cNvPr id="1" name=""/>
-        <p:cNvGrpSpPr/>
-        <p:nvPr/>
-      </p:nvGrpSpPr>
-      <p:grpSpPr/>
-      <p:sp>
-        <p:nvSpPr>
-          <p:cNvPr id="5" name="标题 4"/>
-          <p:cNvSpPr>
-            <a:spLocks noGrp="1"/>
-          </p:cNvSpPr>
-          <p:nvPr>
-            <p:ph type="title"/>
-          </p:nvPr>
-        </p:nvSpPr>
-        <p:spPr/>
-        <p:txBody>
-          <a:bodyPr/>
-          <a:p>
-            <a:r>
-              <a:rPr>
-                <a:solidFill>
-                  <a:srgbClr val="000000"/>
-                </a:solidFill>
-                <a:latin typeface="宋体" panose="02010600030101010101" pitchFamily="2" charset="-122"/>
-                <a:ea typeface="微软雅黑" panose="020B0503020204020204" pitchFamily="34" charset="-122"/>
-                <a:sym typeface="宋体" panose="02010600030101010101" pitchFamily="2" charset="-122"/>
-              </a:rPr>
-              <a:t>图书的下载</a:t>
-            </a:r>
-            <a:br>
-              <a:rPr lang="zh-CN" altLang="en-US" dirty="0">
-                <a:solidFill>
-                  <a:srgbClr val="000000"/>
-                </a:solidFill>
-                <a:latin typeface="宋体" panose="02010600030101010101" pitchFamily="2" charset="-122"/>
-                <a:ea typeface="微软雅黑" panose="020B0503020204020204" pitchFamily="34" charset="-122"/>
-                <a:sym typeface="宋体" panose="02010600030101010101" pitchFamily="2" charset="-122"/>
-              </a:rPr>
-            </a:br>
-            <a:endParaRPr lang="zh-CN" altLang="en-US"/>
-          </a:p>
-        </p:txBody>
-      </p:sp>
-      <p:pic>
-        <p:nvPicPr>
-          <p:cNvPr id="2" name="内容占位符 1"/>
-          <p:cNvPicPr>
-            <a:picLocks noChangeAspect="1"/>
-          </p:cNvPicPr>
-          <p:nvPr>
-            <p:ph idx="1"/>
-          </p:nvPr>
-        </p:nvPicPr>
-        <p:blipFill>
-          <a:blip r:embed="rId1"/>
-          <a:stretch>
-            <a:fillRect/>
-          </a:stretch>
-        </p:blipFill>
-        <p:spPr>
-          <a:xfrm>
-            <a:off x="4998720" y="2684780"/>
-            <a:ext cx="6172200" cy="490855"/>
-          </a:xfrm>
-          <a:prstGeom prst="rect">
-            <a:avLst/>
-          </a:prstGeom>
-        </p:spPr>
-      </p:pic>
-      <p:pic>
-        <p:nvPicPr>
-          <p:cNvPr id="3" name="图片 2"/>
-          <p:cNvPicPr>
-            <a:picLocks noChangeAspect="1"/>
-          </p:cNvPicPr>
-          <p:nvPr/>
-        </p:nvPicPr>
-        <p:blipFill>
-          <a:blip r:embed="rId2"/>
-          <a:stretch>
-            <a:fillRect/>
-          </a:stretch>
-        </p:blipFill>
-        <p:spPr>
-          <a:xfrm>
-            <a:off x="4998720" y="3666490"/>
-            <a:ext cx="5819775" cy="1038225"/>
-          </a:xfrm>
-          <a:prstGeom prst="rect">
-            <a:avLst/>
-          </a:prstGeom>
-        </p:spPr>
-      </p:pic>
-    </p:spTree>
-  </p:cSld>
-  <p:clrMapOvr>
-    <a:masterClrMapping/>
-  </p:clrMapOvr>
-</p:sld>
-</file>
-
 <file path=ppt/theme/theme1.xml><?xml version="1.0" encoding="utf-8"?>
 <a:theme xmlns:a="http://schemas.openxmlformats.org/drawingml/2006/main" name="webwppDefTheme">
   <a:themeElements>
